--- a/Releaseplanung_und_Requirements_Engineering.pptx
+++ b/Releaseplanung_und_Requirements_Engineering.pptx
@@ -266,7 +266,7 @@
           <a:p>
             <a:fld id="{48A87A34-81AB-432B-8DAE-1953F412C126}" type="datetimeFigureOut">
               <a:rPr lang="en-US" dirty="0"/>
-              <a:t>12/20/20</a:t>
+              <a:t>12/21/20</a:t>
             </a:fld>
             <a:endParaRPr lang="en-US" dirty="0"/>
           </a:p>
@@ -472,7 +472,7 @@
           <a:p>
             <a:fld id="{48A87A34-81AB-432B-8DAE-1953F412C126}" type="datetimeFigureOut">
               <a:rPr lang="en-US" dirty="0"/>
-              <a:t>12/20/20</a:t>
+              <a:t>12/21/20</a:t>
             </a:fld>
             <a:endParaRPr lang="en-US" dirty="0"/>
           </a:p>
@@ -682,7 +682,7 @@
           <a:p>
             <a:fld id="{48A87A34-81AB-432B-8DAE-1953F412C126}" type="datetimeFigureOut">
               <a:rPr lang="en-US" dirty="0"/>
-              <a:t>12/20/20</a:t>
+              <a:t>12/21/20</a:t>
             </a:fld>
             <a:endParaRPr lang="en-US" dirty="0"/>
           </a:p>
@@ -878,7 +878,7 @@
           <a:p>
             <a:fld id="{48A87A34-81AB-432B-8DAE-1953F412C126}" type="datetimeFigureOut">
               <a:rPr lang="en-US" dirty="0"/>
-              <a:t>12/20/20</a:t>
+              <a:t>12/21/20</a:t>
             </a:fld>
             <a:endParaRPr lang="en-US" dirty="0"/>
           </a:p>
@@ -1152,7 +1152,7 @@
           <a:p>
             <a:fld id="{48A87A34-81AB-432B-8DAE-1953F412C126}" type="datetimeFigureOut">
               <a:rPr lang="en-US" dirty="0"/>
-              <a:t>12/20/20</a:t>
+              <a:t>12/21/20</a:t>
             </a:fld>
             <a:endParaRPr lang="en-US" dirty="0"/>
           </a:p>
@@ -1415,7 +1415,7 @@
           <a:p>
             <a:fld id="{48A87A34-81AB-432B-8DAE-1953F412C126}" type="datetimeFigureOut">
               <a:rPr lang="en-US" dirty="0"/>
-              <a:t>12/20/20</a:t>
+              <a:t>12/21/20</a:t>
             </a:fld>
             <a:endParaRPr lang="en-US" dirty="0"/>
           </a:p>
@@ -1826,7 +1826,7 @@
           <a:p>
             <a:fld id="{48A87A34-81AB-432B-8DAE-1953F412C126}" type="datetimeFigureOut">
               <a:rPr lang="en-US" dirty="0"/>
-              <a:t>12/20/20</a:t>
+              <a:t>12/21/20</a:t>
             </a:fld>
             <a:endParaRPr lang="en-US" dirty="0"/>
           </a:p>
@@ -1970,7 +1970,7 @@
           <a:p>
             <a:fld id="{48A87A34-81AB-432B-8DAE-1953F412C126}" type="datetimeFigureOut">
               <a:rPr lang="en-US" dirty="0"/>
-              <a:t>12/20/20</a:t>
+              <a:t>12/21/20</a:t>
             </a:fld>
             <a:endParaRPr lang="en-US" dirty="0"/>
           </a:p>
@@ -2091,7 +2091,7 @@
           <a:p>
             <a:fld id="{48A87A34-81AB-432B-8DAE-1953F412C126}" type="datetimeFigureOut">
               <a:rPr lang="en-US" dirty="0"/>
-              <a:t>12/20/20</a:t>
+              <a:t>12/21/20</a:t>
             </a:fld>
             <a:endParaRPr lang="en-US" dirty="0"/>
           </a:p>
@@ -2337,7 +2337,7 @@
           <a:p>
             <a:fld id="{48A87A34-81AB-432B-8DAE-1953F412C126}" type="datetimeFigureOut">
               <a:rPr lang="en-US" dirty="0"/>
-              <a:t>12/20/20</a:t>
+              <a:t>12/21/20</a:t>
             </a:fld>
             <a:endParaRPr lang="en-US" dirty="0"/>
           </a:p>
@@ -2778,7 +2778,7 @@
             <a:fld id="{48A87A34-81AB-432B-8DAE-1953F412C126}" type="datetimeFigureOut">
               <a:rPr lang="en-US" dirty="0"/>
               <a:pPr/>
-              <a:t>12/20/20</a:t>
+              <a:t>12/21/20</a:t>
             </a:fld>
             <a:endParaRPr lang="en-US" dirty="0"/>
           </a:p>
@@ -3101,7 +3101,7 @@
             <a:fld id="{48A87A34-81AB-432B-8DAE-1953F412C126}" type="datetimeFigureOut">
               <a:rPr lang="en-US" dirty="0"/>
               <a:pPr/>
-              <a:t>12/20/20</a:t>
+              <a:t>12/21/20</a:t>
             </a:fld>
             <a:endParaRPr lang="en-US" dirty="0"/>
           </a:p>
@@ -4012,14 +4012,14 @@
             <p:ph idx="1"/>
             <p:extLst>
               <p:ext uri="{D42A27DB-BD31-4B8C-83A1-F6EECF244321}">
-                <p14:modId xmlns:p14="http://schemas.microsoft.com/office/powerpoint/2010/main" val="1225844928"/>
+                <p14:modId xmlns:p14="http://schemas.microsoft.com/office/powerpoint/2010/main" val="2792091740"/>
               </p:ext>
             </p:extLst>
           </p:nvPr>
         </p:nvGraphicFramePr>
         <p:xfrm>
           <a:off x="1001650" y="1960368"/>
-          <a:ext cx="10503132" cy="3799840"/>
+          <a:ext cx="10503132" cy="3220720"/>
         </p:xfrm>
         <a:graphic>
           <a:graphicData uri="http://schemas.openxmlformats.org/drawingml/2006/table">
@@ -4703,150 +4703,6 @@
                 <a:extLst>
                   <a:ext uri="{0D108BD9-81ED-4DB2-BD59-A6C34878D82A}">
                     <a16:rowId xmlns:a16="http://schemas.microsoft.com/office/drawing/2014/main" val="2231752457"/>
-                  </a:ext>
-                </a:extLst>
-              </a:tr>
-              <a:tr h="370840">
-                <a:tc>
-                  <a:txBody>
-                    <a:bodyPr/>
-                    <a:lstStyle/>
-                    <a:p>
-                      <a:pPr marL="0" marR="0" lvl="0" indent="0" algn="l" defTabSz="914400" rtl="0" eaLnBrk="1" fontAlgn="auto" latinLnBrk="0" hangingPunct="1">
-                        <a:lnSpc>
-                          <a:spcPct val="100000"/>
-                        </a:lnSpc>
-                        <a:spcBef>
-                          <a:spcPts val="0"/>
-                        </a:spcBef>
-                        <a:spcAft>
-                          <a:spcPts val="0"/>
-                        </a:spcAft>
-                        <a:buClrTx/>
-                        <a:buSzTx/>
-                        <a:buFontTx/>
-                        <a:buNone/>
-                        <a:tabLst/>
-                        <a:defRPr/>
-                      </a:pPr>
-                      <a:r>
-                        <a:rPr lang="en-GB" sz="1600" b="0" i="0" u="none" strike="noStrike" kern="1200" dirty="0">
-                          <a:solidFill>
-                            <a:schemeClr val="lt1"/>
-                          </a:solidFill>
-                          <a:effectLst/>
-                          <a:latin typeface="+mn-lt"/>
-                          <a:ea typeface="+mn-ea"/>
-                          <a:cs typeface="+mn-cs"/>
-                        </a:rPr>
-                        <a:t>Job </a:t>
-                      </a:r>
-                      <a:r>
-                        <a:rPr lang="en-GB" sz="1600" b="0" i="0" u="none" strike="noStrike" kern="1200" dirty="0" err="1">
-                          <a:solidFill>
-                            <a:schemeClr val="lt1"/>
-                          </a:solidFill>
-                          <a:effectLst/>
-                          <a:latin typeface="+mn-lt"/>
-                          <a:ea typeface="+mn-ea"/>
-                          <a:cs typeface="+mn-cs"/>
-                        </a:rPr>
-                        <a:t>Funktion</a:t>
-                      </a:r>
-                      <a:r>
-                        <a:rPr lang="en-GB" sz="1600" b="0" i="0" u="none" strike="noStrike" kern="1200" dirty="0">
-                          <a:solidFill>
-                            <a:schemeClr val="lt1"/>
-                          </a:solidFill>
-                          <a:effectLst/>
-                          <a:latin typeface="+mn-lt"/>
-                          <a:ea typeface="+mn-ea"/>
-                          <a:cs typeface="+mn-cs"/>
-                        </a:rPr>
-                        <a:t> </a:t>
-                      </a:r>
-                      <a:r>
-                        <a:rPr lang="en-GB" sz="1600" b="0" i="0" u="none" strike="noStrike" kern="1200" dirty="0" err="1">
-                          <a:solidFill>
-                            <a:schemeClr val="lt1"/>
-                          </a:solidFill>
-                          <a:effectLst/>
-                          <a:latin typeface="+mn-lt"/>
-                          <a:ea typeface="+mn-ea"/>
-                          <a:cs typeface="+mn-cs"/>
-                        </a:rPr>
-                        <a:t>innerhalb</a:t>
-                      </a:r>
-                      <a:r>
-                        <a:rPr lang="en-GB" sz="1600" b="0" i="0" u="none" strike="noStrike" kern="1200" dirty="0">
-                          <a:solidFill>
-                            <a:schemeClr val="lt1"/>
-                          </a:solidFill>
-                          <a:effectLst/>
-                          <a:latin typeface="+mn-lt"/>
-                          <a:ea typeface="+mn-ea"/>
-                          <a:cs typeface="+mn-cs"/>
-                        </a:rPr>
-                        <a:t> des </a:t>
-                      </a:r>
-                      <a:r>
-                        <a:rPr lang="en-GB" sz="1600" b="0" i="0" u="none" strike="noStrike" kern="1200" dirty="0" err="1">
-                          <a:solidFill>
-                            <a:schemeClr val="lt1"/>
-                          </a:solidFill>
-                          <a:effectLst/>
-                          <a:latin typeface="+mn-lt"/>
-                          <a:ea typeface="+mn-ea"/>
-                          <a:cs typeface="+mn-cs"/>
-                        </a:rPr>
-                        <a:t>Unternehmens</a:t>
-                      </a:r>
-                      <a:endParaRPr lang="en-GB" sz="1600" b="0" i="0" u="none" strike="noStrike" kern="1200" dirty="0">
-                        <a:solidFill>
-                          <a:schemeClr val="lt1"/>
-                        </a:solidFill>
-                        <a:effectLst/>
-                        <a:latin typeface="+mn-lt"/>
-                        <a:ea typeface="+mn-ea"/>
-                        <a:cs typeface="+mn-cs"/>
-                      </a:endParaRPr>
-                    </a:p>
-                  </a:txBody>
-                  <a:tcPr/>
-                </a:tc>
-                <a:tc>
-                  <a:txBody>
-                    <a:bodyPr/>
-                    <a:lstStyle/>
-                    <a:p>
-                      <a:endParaRPr lang="de-DE" sz="1600" dirty="0"/>
-                    </a:p>
-                  </a:txBody>
-                  <a:tcPr/>
-                </a:tc>
-                <a:tc>
-                  <a:txBody>
-                    <a:bodyPr/>
-                    <a:lstStyle/>
-                    <a:p>
-                      <a:endParaRPr lang="de-DE" sz="1600" dirty="0"/>
-                    </a:p>
-                  </a:txBody>
-                  <a:tcPr/>
-                </a:tc>
-                <a:tc>
-                  <a:txBody>
-                    <a:bodyPr/>
-                    <a:lstStyle/>
-                    <a:p>
-                      <a:endParaRPr lang="de-DE" sz="1600" dirty="0"/>
-                    </a:p>
-                  </a:txBody>
-                  <a:tcPr/>
-                </a:tc>
-                <a:extLst>
-                  <a:ext uri="{0D108BD9-81ED-4DB2-BD59-A6C34878D82A}">
-                    <a16:rowId xmlns:a16="http://schemas.microsoft.com/office/drawing/2014/main" val="2222149746"/>
                   </a:ext>
                 </a:extLst>
               </a:tr>
